--- a/L14.pptx
+++ b/L14.pptx
@@ -2936,13 +2936,13 @@
         <p:spPr/>
         <p:txBody>
           <a:bodyPr>
-            <a:normAutofit fontScale="90000"/>
+            <a:normAutofit/>
           </a:bodyPr>
           <a:lstStyle/>
           <a:p>
             <a:r>
               <a:rPr lang="en-US" dirty="0"/>
-              <a:t>Lecture 14:Vision Transformer</a:t>
+              <a:t>Lecture 14:LLM Prompting</a:t>
             </a:r>
           </a:p>
         </p:txBody>
@@ -3137,79 +3137,78 @@
         </p:nvSpPr>
         <p:spPr/>
         <p:txBody>
-          <a:bodyPr/>
+          <a:bodyPr>
+            <a:normAutofit/>
+          </a:bodyPr>
           <a:lstStyle/>
           <a:p>
             <a:r>
               <a:rPr lang="en-US" dirty="0"/>
-              <a:t>The first pixel generation transformer</a:t>
+              <a:t>Prompting Large Language Model</a:t>
             </a:r>
           </a:p>
           <a:p>
             <a:pPr lvl="1"/>
             <a:r>
               <a:rPr lang="en-US" dirty="0" err="1"/>
-              <a:t>ImageGPT</a:t>
+              <a:t>CoT</a:t>
             </a:r>
             <a:endParaRPr lang="en-US" dirty="0"/>
           </a:p>
           <a:p>
             <a:pPr lvl="1"/>
+            <a:r>
+              <a:rPr lang="en-US" dirty="0"/>
+              <a:t>Self-Consistency</a:t>
+            </a:r>
+          </a:p>
+          <a:p>
+            <a:pPr lvl="1"/>
+            <a:r>
+              <a:rPr lang="en-US" dirty="0" err="1"/>
+              <a:t>ToT</a:t>
+            </a:r>
             <a:endParaRPr lang="en-US" dirty="0"/>
           </a:p>
           <a:p>
+            <a:pPr lvl="1"/>
             <a:r>
               <a:rPr lang="en-US" dirty="0"/>
-              <a:t>Different architecture for Vision transformers</a:t>
+              <a:t>React</a:t>
             </a:r>
           </a:p>
           <a:p>
             <a:pPr lvl="1"/>
             <a:r>
+              <a:rPr lang="en-US" dirty="0" err="1"/>
+              <a:t>PoT</a:t>
+            </a:r>
+            <a:endParaRPr lang="en-US" dirty="0"/>
+          </a:p>
+          <a:p>
+            <a:pPr lvl="1"/>
+            <a:r>
               <a:rPr lang="en-US" dirty="0"/>
-              <a:t>DINO</a:t>
+              <a:t>Least to Most</a:t>
             </a:r>
           </a:p>
           <a:p>
             <a:pPr lvl="1"/>
             <a:r>
               <a:rPr lang="en-US" dirty="0"/>
-              <a:t>Swift Transformers</a:t>
+              <a:t>Self-Refine</a:t>
             </a:r>
           </a:p>
           <a:p>
             <a:pPr lvl="1"/>
             <a:r>
-              <a:rPr lang="en-US" dirty="0" err="1"/>
-              <a:t>Swin</a:t>
+              <a:rPr lang="en-US"/>
+              <a:t>Self-As</a:t>
             </a:r>
             <a:r>
               <a:rPr lang="en-US" dirty="0"/>
-              <a:t> Transformers</a:t>
-            </a:r>
-          </a:p>
-          <a:p>
-            <a:pPr lvl="1"/>
-            <a:r>
-              <a:rPr lang="en-US" dirty="0" err="1"/>
-              <a:t>DeiT</a:t>
-            </a:r>
-            <a:endParaRPr lang="en-US" dirty="0"/>
-          </a:p>
-          <a:p>
-            <a:pPr lvl="1"/>
-            <a:r>
-              <a:rPr lang="en-US" dirty="0" err="1"/>
-              <a:t>MetaFormer</a:t>
-            </a:r>
-            <a:endParaRPr lang="en-US" dirty="0"/>
-          </a:p>
-          <a:p>
-            <a:pPr lvl="1"/>
-            <a:endParaRPr lang="en-US" dirty="0"/>
-          </a:p>
-          <a:p>
-            <a:endParaRPr lang="en-US" dirty="0"/>
+              <a:t>k</a:t>
+            </a:r>
           </a:p>
           <a:p>
             <a:endParaRPr lang="en-US" dirty="0"/>

--- a/L14.pptx
+++ b/L14.pptx
@@ -198,7 +198,7 @@
           <a:p>
             <a:fld id="{0BAAC053-2B7B-EB46-8806-5FB9B970AF34}" type="datetimeFigureOut">
               <a:rPr lang="en-US" smtClean="0"/>
-              <a:t>12/30/23</a:t>
+              <a:t>1/8/24</a:t>
             </a:fld>
             <a:endParaRPr lang="en-US"/>
           </a:p>
@@ -612,7 +612,7 @@
           <a:p>
             <a:fld id="{C7A15469-0524-8F4F-9E12-76BE9BAEC418}" type="datetime1">
               <a:rPr lang="en-CA" smtClean="0"/>
-              <a:t>2023-12-30</a:t>
+              <a:t>2024-01-08</a:t>
             </a:fld>
             <a:endParaRPr lang="en-US"/>
           </a:p>
@@ -1069,7 +1069,7 @@
           <a:p>
             <a:fld id="{251F351B-3C41-6C46-A5F1-3CA0D762442A}" type="datetime1">
               <a:rPr lang="en-CA" smtClean="0"/>
-              <a:t>2023-12-30</a:t>
+              <a:t>2024-01-08</a:t>
             </a:fld>
             <a:endParaRPr lang="en-US"/>
           </a:p>
@@ -1356,7 +1356,7 @@
           <a:p>
             <a:fld id="{D301FFEF-BC07-6945-8DF9-83389C94DF56}" type="datetime1">
               <a:rPr lang="en-CA" smtClean="0"/>
-              <a:t>2023-12-30</a:t>
+              <a:t>2024-01-08</a:t>
             </a:fld>
             <a:endParaRPr lang="en-US"/>
           </a:p>
@@ -1818,7 +1818,7 @@
           <a:p>
             <a:fld id="{3155D33B-FEF6-E34F-9240-CA7C515C6240}" type="datetime1">
               <a:rPr lang="en-CA" smtClean="0"/>
-              <a:t>2023-12-30</a:t>
+              <a:t>2024-01-08</a:t>
             </a:fld>
             <a:endParaRPr lang="en-US"/>
           </a:p>
@@ -2014,7 +2014,7 @@
           <a:p>
             <a:fld id="{9A561D02-7E11-1544-897F-A30819BC8F60}" type="datetime1">
               <a:rPr lang="en-CA" smtClean="0"/>
-              <a:t>2023-12-30</a:t>
+              <a:t>2024-01-08</a:t>
             </a:fld>
             <a:endParaRPr lang="en-US"/>
           </a:p>
@@ -2210,7 +2210,7 @@
           <a:p>
             <a:fld id="{00E961B8-A498-DA41-8388-3640B039A975}" type="datetime1">
               <a:rPr lang="en-CA" smtClean="0"/>
-              <a:t>2023-12-30</a:t>
+              <a:t>2024-01-08</a:t>
             </a:fld>
             <a:endParaRPr lang="en-US"/>
           </a:p>
@@ -2501,7 +2501,7 @@
           <a:p>
             <a:fld id="{0C46C317-5B29-6F48-A50A-672AEB20555B}" type="datetime1">
               <a:rPr lang="en-CA" smtClean="0"/>
-              <a:t>2023-12-30</a:t>
+              <a:t>2024-01-08</a:t>
             </a:fld>
             <a:endParaRPr lang="en-US"/>
           </a:p>
@@ -2936,13 +2936,21 @@
         <p:spPr/>
         <p:txBody>
           <a:bodyPr>
-            <a:normAutofit/>
+            <a:normAutofit fontScale="90000"/>
           </a:bodyPr>
           <a:lstStyle/>
           <a:p>
             <a:r>
               <a:rPr lang="en-US" dirty="0"/>
-              <a:t>Lecture 14:LLM Prompting</a:t>
+              <a:t>Lecture 14: Compressing and </a:t>
+            </a:r>
+            <a:r>
+              <a:rPr lang="en-US" dirty="0" err="1"/>
+              <a:t>Sparsifying</a:t>
+            </a:r>
+            <a:r>
+              <a:rPr lang="en-US" dirty="0"/>
+              <a:t> LLM</a:t>
             </a:r>
           </a:p>
         </p:txBody>
@@ -2998,7 +3006,7 @@
           <a:p>
             <a:fld id="{EFF2884E-48B2-1441-B188-EF9645BFD4B8}" type="datetime1">
               <a:rPr lang="en-CA" smtClean="0"/>
-              <a:t>2023-12-30</a:t>
+              <a:t>2024-01-08</a:t>
             </a:fld>
             <a:endParaRPr lang="en-US"/>
           </a:p>
@@ -3137,78 +3145,78 @@
         </p:nvSpPr>
         <p:spPr/>
         <p:txBody>
-          <a:bodyPr>
-            <a:normAutofit/>
-          </a:bodyPr>
+          <a:bodyPr/>
           <a:lstStyle/>
           <a:p>
             <a:r>
               <a:rPr lang="en-US" dirty="0"/>
-              <a:t>Prompting Large Language Model</a:t>
+              <a:t>Introduce Mixture of Experts</a:t>
             </a:r>
           </a:p>
           <a:p>
             <a:pPr lvl="1"/>
             <a:r>
               <a:rPr lang="en-US" dirty="0" err="1"/>
-              <a:t>CoT</a:t>
+              <a:t>Gshards</a:t>
             </a:r>
             <a:endParaRPr lang="en-US" dirty="0"/>
           </a:p>
           <a:p>
             <a:pPr lvl="1"/>
             <a:r>
+              <a:rPr lang="en-US" dirty="0" err="1"/>
+              <a:t>MoE</a:t>
+            </a:r>
+            <a:endParaRPr lang="en-US" dirty="0"/>
+          </a:p>
+          <a:p>
+            <a:pPr lvl="1"/>
+            <a:endParaRPr lang="en-US" dirty="0"/>
+          </a:p>
+          <a:p>
+            <a:pPr lvl="1"/>
+            <a:endParaRPr lang="en-US" dirty="0"/>
+          </a:p>
+          <a:p>
+            <a:r>
               <a:rPr lang="en-US" dirty="0"/>
-              <a:t>Self-Consistency</a:t>
+              <a:t>Quantization of LLM</a:t>
             </a:r>
           </a:p>
           <a:p>
             <a:pPr lvl="1"/>
             <a:r>
+              <a:rPr lang="en-US" dirty="0"/>
+              <a:t>Int8</a:t>
+            </a:r>
+          </a:p>
+          <a:p>
+            <a:pPr lvl="1"/>
+            <a:r>
               <a:rPr lang="en-US" dirty="0" err="1"/>
-              <a:t>ToT</a:t>
+              <a:t>Bitsandbytes</a:t>
             </a:r>
             <a:endParaRPr lang="en-US" dirty="0"/>
           </a:p>
           <a:p>
             <a:pPr lvl="1"/>
             <a:r>
-              <a:rPr lang="en-US" dirty="0"/>
-              <a:t>React</a:t>
-            </a:r>
+              <a:rPr lang="en-US" dirty="0" err="1"/>
+              <a:t>QLoRA</a:t>
+            </a:r>
+            <a:endParaRPr lang="en-US" dirty="0"/>
           </a:p>
           <a:p>
             <a:pPr lvl="1"/>
             <a:r>
               <a:rPr lang="en-US" dirty="0" err="1"/>
-              <a:t>PoT</a:t>
+              <a:t>BitNet</a:t>
             </a:r>
             <a:endParaRPr lang="en-US" dirty="0"/>
           </a:p>
           <a:p>
             <a:pPr lvl="1"/>
-            <a:r>
-              <a:rPr lang="en-US" dirty="0"/>
-              <a:t>Least to Most</a:t>
-            </a:r>
-          </a:p>
-          <a:p>
-            <a:pPr lvl="1"/>
-            <a:r>
-              <a:rPr lang="en-US" dirty="0"/>
-              <a:t>Self-Refine</a:t>
-            </a:r>
-          </a:p>
-          <a:p>
-            <a:pPr lvl="1"/>
-            <a:r>
-              <a:rPr lang="en-US"/>
-              <a:t>Self-As</a:t>
-            </a:r>
-            <a:r>
-              <a:rPr lang="en-US" dirty="0"/>
-              <a:t>k</a:t>
-            </a:r>
+            <a:endParaRPr lang="en-US" dirty="0"/>
           </a:p>
           <a:p>
             <a:endParaRPr lang="en-US" dirty="0"/>
@@ -3238,7 +3246,7 @@
           <a:p>
             <a:fld id="{251F351B-3C41-6C46-A5F1-3CA0D762442A}" type="datetime1">
               <a:rPr lang="en-CA" smtClean="0"/>
-              <a:t>2023-12-30</a:t>
+              <a:t>2024-01-08</a:t>
             </a:fld>
             <a:endParaRPr lang="en-US"/>
           </a:p>
